--- a/Cognitive_Presentations/Cognitive_Presentation_ZArn.pptx
+++ b/Cognitive_Presentations/Cognitive_Presentation_ZArn.pptx
@@ -12,12 +12,13 @@
     <p:sldId id="262" r:id="rId6"/>
     <p:sldId id="257" r:id="rId7"/>
     <p:sldId id="264" r:id="rId8"/>
-    <p:sldId id="265" r:id="rId9"/>
-    <p:sldId id="266" r:id="rId10"/>
-    <p:sldId id="258" r:id="rId11"/>
-    <p:sldId id="267" r:id="rId12"/>
-    <p:sldId id="269" r:id="rId13"/>
-    <p:sldId id="268" r:id="rId14"/>
+    <p:sldId id="270" r:id="rId9"/>
+    <p:sldId id="265" r:id="rId10"/>
+    <p:sldId id="266" r:id="rId11"/>
+    <p:sldId id="258" r:id="rId12"/>
+    <p:sldId id="267" r:id="rId13"/>
+    <p:sldId id="269" r:id="rId14"/>
+    <p:sldId id="268" r:id="rId15"/>
   </p:sldIdLst>
   <p:sldSz cx="12192000" cy="6858000"/>
   <p:notesSz cx="6858000" cy="9144000"/>
@@ -116,6 +117,11 @@
       </a:defRPr>
     </a:lvl9pPr>
   </p:defaultTextStyle>
+  <p:extLst>
+    <p:ext uri="{EFAFB233-063F-42B5-8137-9DF3F51BA10A}">
+      <p15:sldGuideLst xmlns:p15="http://schemas.microsoft.com/office/powerpoint/2012/main"/>
+    </p:ext>
+  </p:extLst>
 </p:presentation>
 </file>
 
@@ -268,7 +274,7 @@
           <a:p>
             <a:fld id="{6F97594D-BDE1-4B61-A145-B536FE552154}" type="datetimeFigureOut">
               <a:rPr lang="en-NZ" smtClean="0"/>
-              <a:t>8/05/2024</a:t>
+              <a:t>9/05/2024</a:t>
             </a:fld>
             <a:endParaRPr lang="en-NZ"/>
           </a:p>
@@ -468,7 +474,7 @@
           <a:p>
             <a:fld id="{6F97594D-BDE1-4B61-A145-B536FE552154}" type="datetimeFigureOut">
               <a:rPr lang="en-NZ" smtClean="0"/>
-              <a:t>8/05/2024</a:t>
+              <a:t>9/05/2024</a:t>
             </a:fld>
             <a:endParaRPr lang="en-NZ"/>
           </a:p>
@@ -678,7 +684,7 @@
           <a:p>
             <a:fld id="{6F97594D-BDE1-4B61-A145-B536FE552154}" type="datetimeFigureOut">
               <a:rPr lang="en-NZ" smtClean="0"/>
-              <a:t>8/05/2024</a:t>
+              <a:t>9/05/2024</a:t>
             </a:fld>
             <a:endParaRPr lang="en-NZ"/>
           </a:p>
@@ -878,7 +884,7 @@
           <a:p>
             <a:fld id="{6F97594D-BDE1-4B61-A145-B536FE552154}" type="datetimeFigureOut">
               <a:rPr lang="en-NZ" smtClean="0"/>
-              <a:t>8/05/2024</a:t>
+              <a:t>9/05/2024</a:t>
             </a:fld>
             <a:endParaRPr lang="en-NZ"/>
           </a:p>
@@ -1154,7 +1160,7 @@
           <a:p>
             <a:fld id="{6F97594D-BDE1-4B61-A145-B536FE552154}" type="datetimeFigureOut">
               <a:rPr lang="en-NZ" smtClean="0"/>
-              <a:t>8/05/2024</a:t>
+              <a:t>9/05/2024</a:t>
             </a:fld>
             <a:endParaRPr lang="en-NZ"/>
           </a:p>
@@ -1422,7 +1428,7 @@
           <a:p>
             <a:fld id="{6F97594D-BDE1-4B61-A145-B536FE552154}" type="datetimeFigureOut">
               <a:rPr lang="en-NZ" smtClean="0"/>
-              <a:t>8/05/2024</a:t>
+              <a:t>9/05/2024</a:t>
             </a:fld>
             <a:endParaRPr lang="en-NZ"/>
           </a:p>
@@ -1837,7 +1843,7 @@
           <a:p>
             <a:fld id="{6F97594D-BDE1-4B61-A145-B536FE552154}" type="datetimeFigureOut">
               <a:rPr lang="en-NZ" smtClean="0"/>
-              <a:t>8/05/2024</a:t>
+              <a:t>9/05/2024</a:t>
             </a:fld>
             <a:endParaRPr lang="en-NZ"/>
           </a:p>
@@ -1979,7 +1985,7 @@
           <a:p>
             <a:fld id="{6F97594D-BDE1-4B61-A145-B536FE552154}" type="datetimeFigureOut">
               <a:rPr lang="en-NZ" smtClean="0"/>
-              <a:t>8/05/2024</a:t>
+              <a:t>9/05/2024</a:t>
             </a:fld>
             <a:endParaRPr lang="en-NZ"/>
           </a:p>
@@ -2092,7 +2098,7 @@
           <a:p>
             <a:fld id="{6F97594D-BDE1-4B61-A145-B536FE552154}" type="datetimeFigureOut">
               <a:rPr lang="en-NZ" smtClean="0"/>
-              <a:t>8/05/2024</a:t>
+              <a:t>9/05/2024</a:t>
             </a:fld>
             <a:endParaRPr lang="en-NZ"/>
           </a:p>
@@ -2405,7 +2411,7 @@
           <a:p>
             <a:fld id="{6F97594D-BDE1-4B61-A145-B536FE552154}" type="datetimeFigureOut">
               <a:rPr lang="en-NZ" smtClean="0"/>
-              <a:t>8/05/2024</a:t>
+              <a:t>9/05/2024</a:t>
             </a:fld>
             <a:endParaRPr lang="en-NZ"/>
           </a:p>
@@ -2694,7 +2700,7 @@
           <a:p>
             <a:fld id="{6F97594D-BDE1-4B61-A145-B536FE552154}" type="datetimeFigureOut">
               <a:rPr lang="en-NZ" smtClean="0"/>
-              <a:t>8/05/2024</a:t>
+              <a:t>9/05/2024</a:t>
             </a:fld>
             <a:endParaRPr lang="en-NZ"/>
           </a:p>
@@ -2937,7 +2943,7 @@
           <a:p>
             <a:fld id="{6F97594D-BDE1-4B61-A145-B536FE552154}" type="datetimeFigureOut">
               <a:rPr lang="en-NZ" smtClean="0"/>
-              <a:t>8/05/2024</a:t>
+              <a:t>9/05/2024</a:t>
             </a:fld>
             <a:endParaRPr lang="en-NZ"/>
           </a:p>
@@ -3428,10 +3434,10 @@
       </p:grpSpPr>
       <p:sp>
         <p:nvSpPr>
-          <p:cNvPr id="7" name="TextBox 6">
-            <a:extLst>
-              <a:ext uri="{FF2B5EF4-FFF2-40B4-BE49-F238E27FC236}">
-                <a16:creationId xmlns:a16="http://schemas.microsoft.com/office/drawing/2014/main" id="{FD4FFA86-5537-3DC9-AA7D-476FC80734CA}"/>
+          <p:cNvPr id="4" name="TextBox 3">
+            <a:extLst>
+              <a:ext uri="{FF2B5EF4-FFF2-40B4-BE49-F238E27FC236}">
+                <a16:creationId xmlns:a16="http://schemas.microsoft.com/office/drawing/2014/main" id="{EAEF3655-4C20-7D2C-DFA3-1898B67ED87B}"/>
               </a:ext>
             </a:extLst>
           </p:cNvPr>
@@ -3440,8 +3446,8 @@
         </p:nvSpPr>
         <p:spPr>
           <a:xfrm>
-            <a:off x="775854" y="1982450"/>
-            <a:ext cx="7777018" cy="1446550"/>
+            <a:off x="304799" y="283648"/>
+            <a:ext cx="4802853" cy="523220"/>
           </a:xfrm>
           <a:prstGeom prst="rect">
             <a:avLst/>
@@ -3449,29 +3455,53 @@
           <a:noFill/>
         </p:spPr>
         <p:txBody>
-          <a:bodyPr wrap="square">
+          <a:bodyPr wrap="none" rtlCol="0">
             <a:spAutoFit/>
           </a:bodyPr>
           <a:lstStyle/>
           <a:p>
             <a:r>
-              <a:rPr lang="en-NZ" sz="4400" dirty="0"/>
-              <a:t>Task Three:</a:t>
-            </a:r>
-            <a:br>
-              <a:rPr lang="en-NZ" sz="4400" dirty="0"/>
-            </a:br>
-            <a:r>
-              <a:rPr lang="en-NZ" sz="4400" dirty="0"/>
-              <a:t>Notify Flatmate of Expense</a:t>
-            </a:r>
-          </a:p>
-        </p:txBody>
-      </p:sp>
+              <a:rPr lang="en-NZ" sz="2800" dirty="0"/>
+              <a:t>Frame 2.3, View New Expense</a:t>
+            </a:r>
+            <a:endParaRPr lang="en-NZ" dirty="0"/>
+          </a:p>
+        </p:txBody>
+      </p:sp>
+      <p:pic>
+        <p:nvPicPr>
+          <p:cNvPr id="3" name="Picture 2">
+            <a:extLst>
+              <a:ext uri="{FF2B5EF4-FFF2-40B4-BE49-F238E27FC236}">
+                <a16:creationId xmlns:a16="http://schemas.microsoft.com/office/drawing/2014/main" id="{103D1B66-098E-FC7C-79FF-3D5082403DAA}"/>
+              </a:ext>
+            </a:extLst>
+          </p:cNvPr>
+          <p:cNvPicPr>
+            <a:picLocks noChangeAspect="1"/>
+          </p:cNvPicPr>
+          <p:nvPr/>
+        </p:nvPicPr>
+        <p:blipFill>
+          <a:blip r:embed="rId2"/>
+          <a:stretch>
+            <a:fillRect/>
+          </a:stretch>
+        </p:blipFill>
+        <p:spPr>
+          <a:xfrm>
+            <a:off x="304799" y="806868"/>
+            <a:ext cx="7983064" cy="4801270"/>
+          </a:xfrm>
+          <a:prstGeom prst="rect">
+            <a:avLst/>
+          </a:prstGeom>
+        </p:spPr>
+      </p:pic>
     </p:spTree>
     <p:extLst>
       <p:ext uri="{BB962C8B-B14F-4D97-AF65-F5344CB8AC3E}">
-        <p14:creationId xmlns:p14="http://schemas.microsoft.com/office/powerpoint/2010/main" val="2683668115"/>
+        <p14:creationId xmlns:p14="http://schemas.microsoft.com/office/powerpoint/2010/main" val="2599248244"/>
       </p:ext>
     </p:extLst>
   </p:cSld>
@@ -3500,10 +3530,10 @@
       </p:grpSpPr>
       <p:sp>
         <p:nvSpPr>
-          <p:cNvPr id="4" name="TextBox 3">
-            <a:extLst>
-              <a:ext uri="{FF2B5EF4-FFF2-40B4-BE49-F238E27FC236}">
-                <a16:creationId xmlns:a16="http://schemas.microsoft.com/office/drawing/2014/main" id="{EAEF3655-4C20-7D2C-DFA3-1898B67ED87B}"/>
+          <p:cNvPr id="7" name="TextBox 6">
+            <a:extLst>
+              <a:ext uri="{FF2B5EF4-FFF2-40B4-BE49-F238E27FC236}">
+                <a16:creationId xmlns:a16="http://schemas.microsoft.com/office/drawing/2014/main" id="{FD4FFA86-5537-3DC9-AA7D-476FC80734CA}"/>
               </a:ext>
             </a:extLst>
           </p:cNvPr>
@@ -3512,8 +3542,8 @@
         </p:nvSpPr>
         <p:spPr>
           <a:xfrm>
-            <a:off x="304799" y="283648"/>
-            <a:ext cx="1725729" cy="523220"/>
+            <a:off x="775854" y="1982450"/>
+            <a:ext cx="7777018" cy="1446550"/>
           </a:xfrm>
           <a:prstGeom prst="rect">
             <a:avLst/>
@@ -3521,53 +3551,29 @@
           <a:noFill/>
         </p:spPr>
         <p:txBody>
-          <a:bodyPr wrap="none" rtlCol="0">
+          <a:bodyPr wrap="square">
             <a:spAutoFit/>
           </a:bodyPr>
           <a:lstStyle/>
           <a:p>
             <a:r>
-              <a:rPr lang="en-NZ" sz="2800" dirty="0"/>
-              <a:t>Frame 2.1</a:t>
-            </a:r>
-            <a:endParaRPr lang="en-NZ" dirty="0"/>
-          </a:p>
-        </p:txBody>
-      </p:sp>
-      <p:pic>
-        <p:nvPicPr>
-          <p:cNvPr id="3" name="Picture 2">
-            <a:extLst>
-              <a:ext uri="{FF2B5EF4-FFF2-40B4-BE49-F238E27FC236}">
-                <a16:creationId xmlns:a16="http://schemas.microsoft.com/office/drawing/2014/main" id="{103D1B66-098E-FC7C-79FF-3D5082403DAA}"/>
-              </a:ext>
-            </a:extLst>
-          </p:cNvPr>
-          <p:cNvPicPr>
-            <a:picLocks noChangeAspect="1"/>
-          </p:cNvPicPr>
-          <p:nvPr/>
-        </p:nvPicPr>
-        <p:blipFill>
-          <a:blip r:embed="rId2"/>
-          <a:stretch>
-            <a:fillRect/>
-          </a:stretch>
-        </p:blipFill>
-        <p:spPr>
-          <a:xfrm>
-            <a:off x="304799" y="806868"/>
-            <a:ext cx="7983064" cy="4801270"/>
-          </a:xfrm>
-          <a:prstGeom prst="rect">
-            <a:avLst/>
-          </a:prstGeom>
-        </p:spPr>
-      </p:pic>
+              <a:rPr lang="en-NZ" sz="4400" dirty="0"/>
+              <a:t>Task Three:</a:t>
+            </a:r>
+            <a:br>
+              <a:rPr lang="en-NZ" sz="4400" dirty="0"/>
+            </a:br>
+            <a:r>
+              <a:rPr lang="en-NZ" sz="4400" dirty="0"/>
+              <a:t>Notify Flatmate of Expense</a:t>
+            </a:r>
+          </a:p>
+        </p:txBody>
+      </p:sp>
     </p:spTree>
     <p:extLst>
       <p:ext uri="{BB962C8B-B14F-4D97-AF65-F5344CB8AC3E}">
-        <p14:creationId xmlns:p14="http://schemas.microsoft.com/office/powerpoint/2010/main" val="1230583930"/>
+        <p14:creationId xmlns:p14="http://schemas.microsoft.com/office/powerpoint/2010/main" val="2683668115"/>
       </p:ext>
     </p:extLst>
   </p:cSld>
@@ -3609,7 +3615,7 @@
         <p:spPr>
           <a:xfrm>
             <a:off x="304799" y="283648"/>
-            <a:ext cx="1725729" cy="523220"/>
+            <a:ext cx="4614340" cy="523220"/>
           </a:xfrm>
           <a:prstGeom prst="rect">
             <a:avLst/>
@@ -3624,7 +3630,103 @@
           <a:p>
             <a:r>
               <a:rPr lang="en-NZ" sz="2800" dirty="0"/>
-              <a:t>Frame 3.1</a:t>
+              <a:t>Frame 2.1, Open up Expense</a:t>
+            </a:r>
+            <a:endParaRPr lang="en-NZ" dirty="0"/>
+          </a:p>
+        </p:txBody>
+      </p:sp>
+      <p:pic>
+        <p:nvPicPr>
+          <p:cNvPr id="5" name="Picture 4">
+            <a:extLst>
+              <a:ext uri="{FF2B5EF4-FFF2-40B4-BE49-F238E27FC236}">
+                <a16:creationId xmlns:a16="http://schemas.microsoft.com/office/drawing/2014/main" id="{7A8AA98A-0EDD-8260-ABC4-7F7E70830900}"/>
+              </a:ext>
+            </a:extLst>
+          </p:cNvPr>
+          <p:cNvPicPr>
+            <a:picLocks noChangeAspect="1"/>
+          </p:cNvPicPr>
+          <p:nvPr/>
+        </p:nvPicPr>
+        <p:blipFill>
+          <a:blip r:embed="rId2"/>
+          <a:stretch>
+            <a:fillRect/>
+          </a:stretch>
+        </p:blipFill>
+        <p:spPr>
+          <a:xfrm>
+            <a:off x="304798" y="806867"/>
+            <a:ext cx="9081797" cy="5503005"/>
+          </a:xfrm>
+          <a:prstGeom prst="rect">
+            <a:avLst/>
+          </a:prstGeom>
+        </p:spPr>
+      </p:pic>
+    </p:spTree>
+    <p:extLst>
+      <p:ext uri="{BB962C8B-B14F-4D97-AF65-F5344CB8AC3E}">
+        <p14:creationId xmlns:p14="http://schemas.microsoft.com/office/powerpoint/2010/main" val="1230583930"/>
+      </p:ext>
+    </p:extLst>
+  </p:cSld>
+  <p:clrMapOvr>
+    <a:masterClrMapping/>
+  </p:clrMapOvr>
+</p:sld>
+</file>
+
+<file path=ppt/slides/slide13.xml><?xml version="1.0" encoding="utf-8"?>
+<p:sld xmlns:a="http://schemas.openxmlformats.org/drawingml/2006/main" xmlns:r="http://schemas.openxmlformats.org/officeDocument/2006/relationships" xmlns:p="http://schemas.openxmlformats.org/presentationml/2006/main">
+  <p:cSld>
+    <p:spTree>
+      <p:nvGrpSpPr>
+        <p:cNvPr id="1" name=""/>
+        <p:cNvGrpSpPr/>
+        <p:nvPr/>
+      </p:nvGrpSpPr>
+      <p:grpSpPr>
+        <a:xfrm>
+          <a:off x="0" y="0"/>
+          <a:ext cx="0" cy="0"/>
+          <a:chOff x="0" y="0"/>
+          <a:chExt cx="0" cy="0"/>
+        </a:xfrm>
+      </p:grpSpPr>
+      <p:sp>
+        <p:nvSpPr>
+          <p:cNvPr id="4" name="TextBox 3">
+            <a:extLst>
+              <a:ext uri="{FF2B5EF4-FFF2-40B4-BE49-F238E27FC236}">
+                <a16:creationId xmlns:a16="http://schemas.microsoft.com/office/drawing/2014/main" id="{EAEF3655-4C20-7D2C-DFA3-1898B67ED87B}"/>
+              </a:ext>
+            </a:extLst>
+          </p:cNvPr>
+          <p:cNvSpPr txBox="1"/>
+          <p:nvPr/>
+        </p:nvSpPr>
+        <p:spPr>
+          <a:xfrm>
+            <a:off x="304799" y="283648"/>
+            <a:ext cx="4283160" cy="523220"/>
+          </a:xfrm>
+          <a:prstGeom prst="rect">
+            <a:avLst/>
+          </a:prstGeom>
+          <a:noFill/>
+        </p:spPr>
+        <p:txBody>
+          <a:bodyPr wrap="none" rtlCol="0">
+            <a:spAutoFit/>
+          </a:bodyPr>
+          <a:lstStyle/>
+          <a:p>
+            <a:r>
+              <a:rPr lang="en-NZ" sz="2800" dirty="0"/>
+              <a:t>Frame 3.1, Notify Flatmate</a:t>
             </a:r>
             <a:endParaRPr lang="en-NZ" dirty="0"/>
           </a:p>
@@ -3673,7 +3775,7 @@
 </p:sld>
 </file>
 
-<file path=ppt/slides/slide13.xml><?xml version="1.0" encoding="utf-8"?>
+<file path=ppt/slides/slide14.xml><?xml version="1.0" encoding="utf-8"?>
 <p:sld xmlns:a="http://schemas.openxmlformats.org/drawingml/2006/main" xmlns:r="http://schemas.openxmlformats.org/officeDocument/2006/relationships" xmlns:p="http://schemas.openxmlformats.org/presentationml/2006/main">
   <p:cSld>
     <p:spTree>
@@ -3705,7 +3807,7 @@
         <p:spPr>
           <a:xfrm>
             <a:off x="304799" y="283648"/>
-            <a:ext cx="1725729" cy="523220"/>
+            <a:ext cx="4104009" cy="523220"/>
           </a:xfrm>
           <a:prstGeom prst="rect">
             <a:avLst/>
@@ -3720,7 +3822,11 @@
           <a:p>
             <a:r>
               <a:rPr lang="en-NZ" sz="2800" dirty="0"/>
-              <a:t>Frame 3.2</a:t>
+              <a:t>Frame 3.2, </a:t>
+            </a:r>
+            <a:r>
+              <a:rPr lang="en-NZ" sz="2800"/>
+              <a:t>After Notifying</a:t>
             </a:r>
             <a:endParaRPr lang="en-NZ" dirty="0"/>
           </a:p>
@@ -3831,7 +3937,7 @@
         <p:spPr>
           <a:xfrm>
             <a:off x="92363" y="218993"/>
-            <a:ext cx="1725729" cy="523220"/>
+            <a:ext cx="7570309" cy="523220"/>
           </a:xfrm>
           <a:prstGeom prst="rect">
             <a:avLst/>
@@ -3839,16 +3945,15 @@
           <a:noFill/>
         </p:spPr>
         <p:txBody>
-          <a:bodyPr wrap="none" rtlCol="0">
+          <a:bodyPr wrap="square" rtlCol="0">
             <a:spAutoFit/>
           </a:bodyPr>
           <a:lstStyle/>
           <a:p>
             <a:r>
               <a:rPr lang="en-NZ" sz="2800" dirty="0"/>
-              <a:t>Frame 1.1</a:t>
-            </a:r>
-            <a:endParaRPr lang="en-NZ" dirty="0"/>
+              <a:t>Frame 1.1, Change Flat</a:t>
+            </a:r>
           </a:p>
         </p:txBody>
       </p:sp>
@@ -3897,7 +4002,7 @@
         <p:spPr>
           <a:xfrm>
             <a:off x="304799" y="283648"/>
-            <a:ext cx="1725729" cy="523220"/>
+            <a:ext cx="4312719" cy="523220"/>
           </a:xfrm>
           <a:prstGeom prst="rect">
             <a:avLst/>
@@ -3912,7 +4017,7 @@
           <a:p>
             <a:r>
               <a:rPr lang="en-NZ" sz="2800" dirty="0"/>
-              <a:t>Frame 1.2</a:t>
+              <a:t>Frame 1.2, Select New Flat</a:t>
             </a:r>
             <a:endParaRPr lang="en-NZ" dirty="0"/>
           </a:p>
@@ -3993,7 +4098,7 @@
         <p:spPr>
           <a:xfrm>
             <a:off x="304799" y="283648"/>
-            <a:ext cx="1725729" cy="523220"/>
+            <a:ext cx="9023689" cy="523220"/>
           </a:xfrm>
           <a:prstGeom prst="rect">
             <a:avLst/>
@@ -4008,7 +4113,7 @@
           <a:p>
             <a:r>
               <a:rPr lang="en-NZ" sz="2800" dirty="0"/>
-              <a:t>Frame 1.3</a:t>
+              <a:t>Frame 1.3, View Expenses, Get more detail on Broadband</a:t>
             </a:r>
             <a:endParaRPr lang="en-NZ" dirty="0"/>
           </a:p>
@@ -4089,7 +4194,7 @@
         <p:spPr>
           <a:xfrm>
             <a:off x="304799" y="283648"/>
-            <a:ext cx="1725729" cy="523220"/>
+            <a:ext cx="4432752" cy="523220"/>
           </a:xfrm>
           <a:prstGeom prst="rect">
             <a:avLst/>
@@ -4104,7 +4209,7 @@
           <a:p>
             <a:r>
               <a:rPr lang="en-NZ" sz="2800" dirty="0"/>
-              <a:t>Frame 1.4</a:t>
+              <a:t>Frame 1.4, View Broadband</a:t>
             </a:r>
             <a:endParaRPr lang="en-NZ" dirty="0"/>
           </a:p>
@@ -4313,7 +4418,7 @@
         <p:spPr>
           <a:xfrm>
             <a:off x="304799" y="283648"/>
-            <a:ext cx="1725729" cy="523220"/>
+            <a:ext cx="5201104" cy="523220"/>
           </a:xfrm>
           <a:prstGeom prst="rect">
             <a:avLst/>
@@ -4328,7 +4433,7 @@
           <a:p>
             <a:r>
               <a:rPr lang="en-NZ" sz="2800" dirty="0"/>
-              <a:t>Frame 1.3</a:t>
+              <a:t>Frame 1.3, Navigate to Expenses</a:t>
             </a:r>
             <a:endParaRPr lang="en-NZ" dirty="0"/>
           </a:p>
@@ -4399,7 +4504,7 @@
           <p:cNvPr id="4" name="TextBox 3">
             <a:extLst>
               <a:ext uri="{FF2B5EF4-FFF2-40B4-BE49-F238E27FC236}">
-                <a16:creationId xmlns:a16="http://schemas.microsoft.com/office/drawing/2014/main" id="{EAEF3655-4C20-7D2C-DFA3-1898B67ED87B}"/>
+                <a16:creationId xmlns:a16="http://schemas.microsoft.com/office/drawing/2014/main" id="{10D904E5-4BE6-E373-B97D-CE4222905AAC}"/>
               </a:ext>
             </a:extLst>
           </p:cNvPr>
@@ -4409,7 +4514,7 @@
         <p:spPr>
           <a:xfrm>
             <a:off x="304799" y="283648"/>
-            <a:ext cx="3181255" cy="523220"/>
+            <a:ext cx="5222968" cy="523220"/>
           </a:xfrm>
           <a:prstGeom prst="rect">
             <a:avLst/>
@@ -4424,7 +4529,7 @@
           <a:p>
             <a:r>
               <a:rPr lang="en-NZ" sz="2800" dirty="0"/>
-              <a:t>Frame 2.2.1 &amp; 2.2.2</a:t>
+              <a:t>Frame 2.1, Create new Expense</a:t>
             </a:r>
             <a:endParaRPr lang="en-NZ" dirty="0"/>
           </a:p>
@@ -4432,10 +4537,10 @@
       </p:sp>
       <p:pic>
         <p:nvPicPr>
-          <p:cNvPr id="3" name="Picture 2">
-            <a:extLst>
-              <a:ext uri="{FF2B5EF4-FFF2-40B4-BE49-F238E27FC236}">
-                <a16:creationId xmlns:a16="http://schemas.microsoft.com/office/drawing/2014/main" id="{C3434E5F-033A-E6CE-990D-F1D0EE973F87}"/>
+          <p:cNvPr id="7" name="Picture 6">
+            <a:extLst>
+              <a:ext uri="{FF2B5EF4-FFF2-40B4-BE49-F238E27FC236}">
+                <a16:creationId xmlns:a16="http://schemas.microsoft.com/office/drawing/2014/main" id="{9915D5D5-60F9-0209-43B0-56D5BB71FCB2}"/>
               </a:ext>
             </a:extLst>
           </p:cNvPr>
@@ -4452,38 +4557,8 @@
         </p:blipFill>
         <p:spPr>
           <a:xfrm>
-            <a:off x="9145109" y="1967797"/>
-            <a:ext cx="2191805" cy="2922406"/>
-          </a:xfrm>
-          <a:prstGeom prst="rect">
-            <a:avLst/>
-          </a:prstGeom>
-        </p:spPr>
-      </p:pic>
-      <p:pic>
-        <p:nvPicPr>
-          <p:cNvPr id="6" name="Picture 5">
-            <a:extLst>
-              <a:ext uri="{FF2B5EF4-FFF2-40B4-BE49-F238E27FC236}">
-                <a16:creationId xmlns:a16="http://schemas.microsoft.com/office/drawing/2014/main" id="{ECE771A0-CD9B-7EFF-3F70-698C236A9071}"/>
-              </a:ext>
-            </a:extLst>
-          </p:cNvPr>
-          <p:cNvPicPr>
-            <a:picLocks noChangeAspect="1"/>
-          </p:cNvPicPr>
-          <p:nvPr/>
-        </p:nvPicPr>
-        <p:blipFill>
-          <a:blip r:embed="rId3"/>
-          <a:stretch>
-            <a:fillRect/>
-          </a:stretch>
-        </p:blipFill>
-        <p:spPr>
-          <a:xfrm>
-            <a:off x="304799" y="806868"/>
-            <a:ext cx="7954485" cy="4829849"/>
+            <a:off x="304798" y="806867"/>
+            <a:ext cx="8446527" cy="5118071"/>
           </a:xfrm>
           <a:prstGeom prst="rect">
             <a:avLst/>
@@ -4493,7 +4568,7 @@
     </p:spTree>
     <p:extLst>
       <p:ext uri="{BB962C8B-B14F-4D97-AF65-F5344CB8AC3E}">
-        <p14:creationId xmlns:p14="http://schemas.microsoft.com/office/powerpoint/2010/main" val="712646282"/>
+        <p14:creationId xmlns:p14="http://schemas.microsoft.com/office/powerpoint/2010/main" val="248279695"/>
       </p:ext>
     </p:extLst>
   </p:cSld>
@@ -4535,7 +4610,7 @@
         <p:spPr>
           <a:xfrm>
             <a:off x="304799" y="283648"/>
-            <a:ext cx="1725729" cy="523220"/>
+            <a:ext cx="5280805" cy="523220"/>
           </a:xfrm>
           <a:prstGeom prst="rect">
             <a:avLst/>
@@ -4550,7 +4625,7 @@
           <a:p>
             <a:r>
               <a:rPr lang="en-NZ" sz="2800" dirty="0"/>
-              <a:t>Frame 2.3</a:t>
+              <a:t>Frame 2.2.1 &amp; 2.2.2, Fill out Form</a:t>
             </a:r>
             <a:endParaRPr lang="en-NZ" dirty="0"/>
           </a:p>
@@ -4561,7 +4636,7 @@
           <p:cNvPr id="3" name="Picture 2">
             <a:extLst>
               <a:ext uri="{FF2B5EF4-FFF2-40B4-BE49-F238E27FC236}">
-                <a16:creationId xmlns:a16="http://schemas.microsoft.com/office/drawing/2014/main" id="{103D1B66-098E-FC7C-79FF-3D5082403DAA}"/>
+                <a16:creationId xmlns:a16="http://schemas.microsoft.com/office/drawing/2014/main" id="{C3434E5F-033A-E6CE-990D-F1D0EE973F87}"/>
               </a:ext>
             </a:extLst>
           </p:cNvPr>
@@ -4578,8 +4653,38 @@
         </p:blipFill>
         <p:spPr>
           <a:xfrm>
+            <a:off x="9145109" y="1967797"/>
+            <a:ext cx="2191805" cy="2922406"/>
+          </a:xfrm>
+          <a:prstGeom prst="rect">
+            <a:avLst/>
+          </a:prstGeom>
+        </p:spPr>
+      </p:pic>
+      <p:pic>
+        <p:nvPicPr>
+          <p:cNvPr id="6" name="Picture 5">
+            <a:extLst>
+              <a:ext uri="{FF2B5EF4-FFF2-40B4-BE49-F238E27FC236}">
+                <a16:creationId xmlns:a16="http://schemas.microsoft.com/office/drawing/2014/main" id="{ECE771A0-CD9B-7EFF-3F70-698C236A9071}"/>
+              </a:ext>
+            </a:extLst>
+          </p:cNvPr>
+          <p:cNvPicPr>
+            <a:picLocks noChangeAspect="1"/>
+          </p:cNvPicPr>
+          <p:nvPr/>
+        </p:nvPicPr>
+        <p:blipFill>
+          <a:blip r:embed="rId3"/>
+          <a:stretch>
+            <a:fillRect/>
+          </a:stretch>
+        </p:blipFill>
+        <p:spPr>
+          <a:xfrm>
             <a:off x="304799" y="806868"/>
-            <a:ext cx="7983064" cy="4801270"/>
+            <a:ext cx="7954485" cy="4829849"/>
           </a:xfrm>
           <a:prstGeom prst="rect">
             <a:avLst/>
@@ -4589,7 +4694,7 @@
     </p:spTree>
     <p:extLst>
       <p:ext uri="{BB962C8B-B14F-4D97-AF65-F5344CB8AC3E}">
-        <p14:creationId xmlns:p14="http://schemas.microsoft.com/office/powerpoint/2010/main" val="2599248244"/>
+        <p14:creationId xmlns:p14="http://schemas.microsoft.com/office/powerpoint/2010/main" val="712646282"/>
       </p:ext>
     </p:extLst>
   </p:cSld>

--- a/Cognitive_Presentations/Cognitive_Presentation_ZArn.pptx
+++ b/Cognitive_Presentations/Cognitive_Presentation_ZArn.pptx
@@ -3375,7 +3375,7 @@
         <p:spPr>
           <a:xfrm>
             <a:off x="932873" y="1982450"/>
-            <a:ext cx="8045857" cy="1446550"/>
+            <a:ext cx="8045857" cy="2800767"/>
           </a:xfrm>
           <a:prstGeom prst="rect">
             <a:avLst/>
@@ -3398,6 +3398,16 @@
             <a:r>
               <a:rPr lang="en-NZ" sz="4400" dirty="0"/>
               <a:t>Switch Flat and Check Expenses</a:t>
+            </a:r>
+            <a:br>
+              <a:rPr lang="en-NZ" sz="4400" dirty="0"/>
+            </a:br>
+            <a:br>
+              <a:rPr lang="en-NZ" sz="4400" dirty="0"/>
+            </a:br>
+            <a:r>
+              <a:rPr lang="en-NZ" sz="4400" dirty="0"/>
+              <a:t>Persona: Abby Jones</a:t>
             </a:r>
           </a:p>
         </p:txBody>
@@ -3543,7 +3553,7 @@
         <p:spPr>
           <a:xfrm>
             <a:off x="775854" y="1982450"/>
-            <a:ext cx="7777018" cy="1446550"/>
+            <a:ext cx="7777018" cy="2800767"/>
           </a:xfrm>
           <a:prstGeom prst="rect">
             <a:avLst/>
@@ -3566,6 +3576,20 @@
             <a:r>
               <a:rPr lang="en-NZ" sz="4400" dirty="0"/>
               <a:t>Notify Flatmate of Expense</a:t>
+            </a:r>
+            <a:br>
+              <a:rPr lang="en-NZ" sz="4400" dirty="0"/>
+            </a:br>
+            <a:br>
+              <a:rPr lang="en-NZ" sz="4400"/>
+            </a:br>
+            <a:r>
+              <a:rPr lang="en-NZ" sz="4400"/>
+              <a:t>Persona: John </a:t>
+            </a:r>
+            <a:r>
+              <a:rPr lang="en-NZ" sz="4400" dirty="0"/>
+              <a:t>Baker</a:t>
             </a:r>
           </a:p>
         </p:txBody>
@@ -4098,7 +4122,7 @@
         <p:spPr>
           <a:xfrm>
             <a:off x="304799" y="283648"/>
-            <a:ext cx="9023689" cy="523220"/>
+            <a:ext cx="9065943" cy="523220"/>
           </a:xfrm>
           <a:prstGeom prst="rect">
             <a:avLst/>
@@ -4113,7 +4137,7 @@
           <a:p>
             <a:r>
               <a:rPr lang="en-NZ" sz="2800" dirty="0"/>
-              <a:t>Frame 1.3, View Expenses, Get more detail on Broadband</a:t>
+              <a:t>Frame 1.3, View Payments, Get more detail on Broadband</a:t>
             </a:r>
             <a:endParaRPr lang="en-NZ" dirty="0"/>
           </a:p>
@@ -4290,7 +4314,7 @@
         <p:spPr>
           <a:xfrm>
             <a:off x="711200" y="1982450"/>
-            <a:ext cx="8589818" cy="1446550"/>
+            <a:ext cx="8589818" cy="2800767"/>
           </a:xfrm>
           <a:prstGeom prst="rect">
             <a:avLst/>
@@ -4369,6 +4393,55 @@
                 <a:cs typeface="+mn-cs"/>
               </a:rPr>
               <a:t>Adding and Expense</a:t>
+            </a:r>
+            <a:br>
+              <a:rPr kumimoji="0" lang="en-NZ" sz="4400" b="0" i="0" u="none" strike="noStrike" kern="1200" cap="none" spc="0" normalizeH="0" baseline="0" noProof="0" dirty="0">
+                <a:ln>
+                  <a:noFill/>
+                </a:ln>
+                <a:solidFill>
+                  <a:prstClr val="black"/>
+                </a:solidFill>
+                <a:effectLst/>
+                <a:uLnTx/>
+                <a:uFillTx/>
+                <a:latin typeface="Aptos" panose="02110004020202020204"/>
+                <a:ea typeface="+mn-ea"/>
+                <a:cs typeface="+mn-cs"/>
+              </a:rPr>
+            </a:br>
+            <a:br>
+              <a:rPr kumimoji="0" lang="en-NZ" sz="4400" b="0" i="0" u="none" strike="noStrike" kern="1200" cap="none" spc="0" normalizeH="0" baseline="0" noProof="0" dirty="0">
+                <a:ln>
+                  <a:noFill/>
+                </a:ln>
+                <a:solidFill>
+                  <a:prstClr val="black"/>
+                </a:solidFill>
+                <a:effectLst/>
+                <a:uLnTx/>
+                <a:uFillTx/>
+                <a:latin typeface="Aptos" panose="02110004020202020204"/>
+                <a:ea typeface="+mn-ea"/>
+                <a:cs typeface="+mn-cs"/>
+              </a:rPr>
+            </a:br>
+            <a:r>
+              <a:rPr kumimoji="0" lang="en-NZ" sz="4400" b="0" i="0" u="none" strike="noStrike" kern="1200" cap="none" spc="0" normalizeH="0" baseline="0" noProof="0" dirty="0">
+                <a:ln>
+                  <a:noFill/>
+                </a:ln>
+                <a:solidFill>
+                  <a:prstClr val="black"/>
+                </a:solidFill>
+                <a:effectLst/>
+                <a:uLnTx/>
+                <a:uFillTx/>
+                <a:latin typeface="Aptos" panose="02110004020202020204"/>
+                <a:ea typeface="+mn-ea"/>
+                <a:cs typeface="+mn-cs"/>
+              </a:rPr>
+              <a:t>Persona: Bob Dylan</a:t>
             </a:r>
           </a:p>
         </p:txBody>
